--- a/DOC/240912_Pointer_Cast.pptx
+++ b/DOC/240912_Pointer_Cast.pptx
@@ -26,12 +26,13 @@
     <p:sldId id="345" r:id="rId20"/>
     <p:sldId id="346" r:id="rId21"/>
     <p:sldId id="347" r:id="rId22"/>
-    <p:sldId id="348" r:id="rId23"/>
-    <p:sldId id="349" r:id="rId24"/>
-    <p:sldId id="350" r:id="rId25"/>
-    <p:sldId id="351" r:id="rId26"/>
-    <p:sldId id="352" r:id="rId27"/>
-    <p:sldId id="353" r:id="rId28"/>
+    <p:sldId id="354" r:id="rId23"/>
+    <p:sldId id="348" r:id="rId24"/>
+    <p:sldId id="349" r:id="rId25"/>
+    <p:sldId id="350" r:id="rId26"/>
+    <p:sldId id="351" r:id="rId27"/>
+    <p:sldId id="352" r:id="rId28"/>
+    <p:sldId id="353" r:id="rId29"/>
   </p:sldIdLst>
   <p:sldSz cx="12192000" cy="6858000"/>
   <p:notesSz cx="6858000" cy="9144000"/>
@@ -5623,8 +5624,8 @@
           </a:prstGeom>
         </p:spPr>
       </p:pic>
-      <mc:AlternateContent xmlns:mc="http://schemas.openxmlformats.org/markup-compatibility/2006">
-        <mc:Choice xmlns:p14="http://schemas.microsoft.com/office/powerpoint/2010/main" Requires="p14">
+      <mc:AlternateContent xmlns:mc="http://schemas.openxmlformats.org/markup-compatibility/2006" xmlns:p14="http://schemas.microsoft.com/office/powerpoint/2010/main">
+        <mc:Choice Requires="p14">
           <p:contentPart p14:bwMode="auto" r:id="rId3">
             <p14:nvContentPartPr>
               <p14:cNvPr id="4" name="잉크 3">
@@ -5643,7 +5644,7 @@
             </p14:xfrm>
           </p:contentPart>
         </mc:Choice>
-        <mc:Fallback>
+        <mc:Fallback xmlns="">
           <p:pic>
             <p:nvPicPr>
               <p:cNvPr id="4" name="잉크 3">
@@ -7292,8 +7293,8 @@
           </a:prstGeom>
         </p:spPr>
       </p:pic>
-      <mc:AlternateContent xmlns:mc="http://schemas.openxmlformats.org/markup-compatibility/2006">
-        <mc:Choice xmlns:p14="http://schemas.microsoft.com/office/powerpoint/2010/main" Requires="p14">
+      <mc:AlternateContent xmlns:mc="http://schemas.openxmlformats.org/markup-compatibility/2006" xmlns:p14="http://schemas.microsoft.com/office/powerpoint/2010/main">
+        <mc:Choice Requires="p14">
           <p:contentPart p14:bwMode="auto" r:id="rId4">
             <p14:nvContentPartPr>
               <p14:cNvPr id="8" name="잉크 7">
@@ -7312,7 +7313,7 @@
             </p14:xfrm>
           </p:contentPart>
         </mc:Choice>
-        <mc:Fallback>
+        <mc:Fallback xmlns="">
           <p:pic>
             <p:nvPicPr>
               <p:cNvPr id="8" name="잉크 7">
@@ -7343,8 +7344,8 @@
           </p:pic>
         </mc:Fallback>
       </mc:AlternateContent>
-      <mc:AlternateContent xmlns:mc="http://schemas.openxmlformats.org/markup-compatibility/2006">
-        <mc:Choice xmlns:p14="http://schemas.microsoft.com/office/powerpoint/2010/main" Requires="p14">
+      <mc:AlternateContent xmlns:mc="http://schemas.openxmlformats.org/markup-compatibility/2006" xmlns:p14="http://schemas.microsoft.com/office/powerpoint/2010/main">
+        <mc:Choice Requires="p14">
           <p:contentPart p14:bwMode="auto" r:id="rId6">
             <p14:nvContentPartPr>
               <p14:cNvPr id="9" name="잉크 8">
@@ -7363,7 +7364,7 @@
             </p14:xfrm>
           </p:contentPart>
         </mc:Choice>
-        <mc:Fallback>
+        <mc:Fallback xmlns="">
           <p:pic>
             <p:nvPicPr>
               <p:cNvPr id="9" name="잉크 8">
@@ -7594,8 +7595,8 @@
           </a:prstGeom>
         </p:spPr>
       </p:pic>
-      <mc:AlternateContent xmlns:mc="http://schemas.openxmlformats.org/markup-compatibility/2006">
-        <mc:Choice xmlns:p14="http://schemas.microsoft.com/office/powerpoint/2010/main" Requires="p14">
+      <mc:AlternateContent xmlns:mc="http://schemas.openxmlformats.org/markup-compatibility/2006" xmlns:p14="http://schemas.microsoft.com/office/powerpoint/2010/main">
+        <mc:Choice Requires="p14">
           <p:contentPart p14:bwMode="auto" r:id="rId4">
             <p14:nvContentPartPr>
               <p14:cNvPr id="3" name="잉크 2">
@@ -7614,7 +7615,7 @@
             </p14:xfrm>
           </p:contentPart>
         </mc:Choice>
-        <mc:Fallback>
+        <mc:Fallback xmlns="">
           <p:pic>
             <p:nvPicPr>
               <p:cNvPr id="3" name="잉크 2">
@@ -7795,10 +7796,45 @@
           <a:chExt cx="0" cy="0"/>
         </a:xfrm>
       </p:grpSpPr>
+      <p:sp>
+        <p:nvSpPr>
+          <p:cNvPr id="2" name="TextBox 1">
+            <a:extLst>
+              <a:ext uri="{FF2B5EF4-FFF2-40B4-BE49-F238E27FC236}">
+                <a16:creationId xmlns:a16="http://schemas.microsoft.com/office/drawing/2014/main" id="{84079C4D-B9F5-EE23-8034-401E94E43F8C}"/>
+              </a:ext>
+            </a:extLst>
+          </p:cNvPr>
+          <p:cNvSpPr txBox="1"/>
+          <p:nvPr/>
+        </p:nvSpPr>
+        <p:spPr>
+          <a:xfrm>
+            <a:off x="1653309" y="2413337"/>
+            <a:ext cx="3533340" cy="1015663"/>
+          </a:xfrm>
+          <a:prstGeom prst="rect">
+            <a:avLst/>
+          </a:prstGeom>
+          <a:noFill/>
+        </p:spPr>
+        <p:txBody>
+          <a:bodyPr wrap="none" rtlCol="0">
+            <a:spAutoFit/>
+          </a:bodyPr>
+          <a:lstStyle/>
+          <a:p>
+            <a:r>
+              <a:rPr lang="ko-KR" altLang="en-US" sz="6000" dirty="0"/>
+              <a:t>기본 과제</a:t>
+            </a:r>
+          </a:p>
+        </p:txBody>
+      </p:sp>
     </p:spTree>
     <p:extLst>
       <p:ext uri="{BB962C8B-B14F-4D97-AF65-F5344CB8AC3E}">
-        <p14:creationId xmlns:p14="http://schemas.microsoft.com/office/powerpoint/2010/main" val="704560774"/>
+        <p14:creationId xmlns:p14="http://schemas.microsoft.com/office/powerpoint/2010/main" val="2139038126"/>
       </p:ext>
     </p:extLst>
   </p:cSld>
@@ -7825,6 +7861,731 @@
           <a:chExt cx="0" cy="0"/>
         </a:xfrm>
       </p:grpSpPr>
+      <p:pic>
+        <p:nvPicPr>
+          <p:cNvPr id="3" name="그림 2">
+            <a:extLst>
+              <a:ext uri="{FF2B5EF4-FFF2-40B4-BE49-F238E27FC236}">
+                <a16:creationId xmlns:a16="http://schemas.microsoft.com/office/drawing/2014/main" id="{7BDD95D7-4977-12BE-C6F2-6F0010A3B484}"/>
+              </a:ext>
+            </a:extLst>
+          </p:cNvPr>
+          <p:cNvPicPr>
+            <a:picLocks noChangeAspect="1"/>
+          </p:cNvPicPr>
+          <p:nvPr/>
+        </p:nvPicPr>
+        <p:blipFill>
+          <a:blip r:embed="rId2"/>
+          <a:stretch>
+            <a:fillRect/>
+          </a:stretch>
+        </p:blipFill>
+        <p:spPr>
+          <a:xfrm>
+            <a:off x="779566" y="851224"/>
+            <a:ext cx="8859486" cy="1571844"/>
+          </a:xfrm>
+          <a:prstGeom prst="rect">
+            <a:avLst/>
+          </a:prstGeom>
+        </p:spPr>
+      </p:pic>
+      <p:pic>
+        <p:nvPicPr>
+          <p:cNvPr id="5" name="그림 4">
+            <a:extLst>
+              <a:ext uri="{FF2B5EF4-FFF2-40B4-BE49-F238E27FC236}">
+                <a16:creationId xmlns:a16="http://schemas.microsoft.com/office/drawing/2014/main" id="{611E11D2-5C22-74F8-7102-7A7D142590E8}"/>
+              </a:ext>
+            </a:extLst>
+          </p:cNvPr>
+          <p:cNvPicPr>
+            <a:picLocks noChangeAspect="1"/>
+          </p:cNvPicPr>
+          <p:nvPr/>
+        </p:nvPicPr>
+        <p:blipFill>
+          <a:blip r:embed="rId3"/>
+          <a:stretch>
+            <a:fillRect/>
+          </a:stretch>
+        </p:blipFill>
+        <p:spPr>
+          <a:xfrm>
+            <a:off x="779566" y="2698994"/>
+            <a:ext cx="3467584" cy="628738"/>
+          </a:xfrm>
+          <a:prstGeom prst="rect">
+            <a:avLst/>
+          </a:prstGeom>
+        </p:spPr>
+      </p:pic>
+      <p:sp>
+        <p:nvSpPr>
+          <p:cNvPr id="7" name="TextBox 6">
+            <a:extLst>
+              <a:ext uri="{FF2B5EF4-FFF2-40B4-BE49-F238E27FC236}">
+                <a16:creationId xmlns:a16="http://schemas.microsoft.com/office/drawing/2014/main" id="{B1509170-A5A5-1346-799D-D30D29B5D25E}"/>
+              </a:ext>
+            </a:extLst>
+          </p:cNvPr>
+          <p:cNvSpPr txBox="1"/>
+          <p:nvPr/>
+        </p:nvSpPr>
+        <p:spPr>
+          <a:xfrm>
+            <a:off x="932872" y="3603658"/>
+            <a:ext cx="10963563" cy="1477328"/>
+          </a:xfrm>
+          <a:prstGeom prst="rect">
+            <a:avLst/>
+          </a:prstGeom>
+          <a:noFill/>
+        </p:spPr>
+        <p:txBody>
+          <a:bodyPr wrap="square">
+            <a:spAutoFit/>
+          </a:bodyPr>
+          <a:lstStyle/>
+          <a:p>
+            <a:r>
+              <a:rPr lang="en-US" altLang="ko-KR" dirty="0" err="1"/>
+              <a:t>Ptr</a:t>
+            </a:r>
+            <a:r>
+              <a:rPr lang="en-US" altLang="ko-KR" dirty="0"/>
+              <a:t> 100</a:t>
+            </a:r>
+            <a:r>
+              <a:rPr lang="ko-KR" altLang="en-US" dirty="0"/>
+              <a:t>번지에 </a:t>
+            </a:r>
+            <a:endParaRPr lang="en-US" altLang="ko-KR" dirty="0"/>
+          </a:p>
+          <a:p>
+            <a:endParaRPr lang="en-US" altLang="ko-KR" dirty="0"/>
+          </a:p>
+          <a:p>
+            <a:pPr marL="342900" indent="-342900">
+              <a:buAutoNum type="arabicPeriod"/>
+            </a:pPr>
+            <a:r>
+              <a:rPr lang="ko-KR" altLang="en-US" dirty="0"/>
+              <a:t>무조건 함수의 인자는 </a:t>
+            </a:r>
+            <a:r>
+              <a:rPr lang="en-US" altLang="ko-KR" dirty="0"/>
+              <a:t>8</a:t>
+            </a:r>
+            <a:r>
+              <a:rPr lang="ko-KR" altLang="en-US" dirty="0"/>
+              <a:t>바이트씩 떨어져 있다</a:t>
+            </a:r>
+            <a:r>
+              <a:rPr lang="en-US" altLang="ko-KR" dirty="0"/>
+              <a:t>.(</a:t>
+            </a:r>
+            <a:r>
+              <a:rPr lang="ko-KR" altLang="en-US" dirty="0"/>
+              <a:t>자료형 중 가장 큰 자료형의 크기만큼 </a:t>
+            </a:r>
+            <a:r>
+              <a:rPr lang="ko-KR" altLang="en-US" dirty="0" err="1"/>
+              <a:t>떨어져있다</a:t>
+            </a:r>
+            <a:r>
+              <a:rPr lang="en-US" altLang="ko-KR" dirty="0"/>
+              <a:t>.)</a:t>
+            </a:r>
+          </a:p>
+          <a:p>
+            <a:pPr marL="342900" indent="-342900">
+              <a:buAutoNum type="arabicPeriod"/>
+            </a:pPr>
+            <a:endParaRPr lang="en-US" altLang="ko-KR" dirty="0"/>
+          </a:p>
+          <a:p>
+            <a:pPr marL="342900" indent="-342900">
+              <a:buAutoNum type="arabicPeriod"/>
+            </a:pPr>
+            <a:endParaRPr lang="ko-KR" altLang="en-US" dirty="0"/>
+          </a:p>
+        </p:txBody>
+      </p:sp>
+    </p:spTree>
+    <p:extLst>
+      <p:ext uri="{BB962C8B-B14F-4D97-AF65-F5344CB8AC3E}">
+        <p14:creationId xmlns:p14="http://schemas.microsoft.com/office/powerpoint/2010/main" val="704560774"/>
+      </p:ext>
+    </p:extLst>
+  </p:cSld>
+  <p:clrMapOvr>
+    <a:masterClrMapping/>
+  </p:clrMapOvr>
+</p:sld>
+</file>
+
+<file path=ppt/slides/slide24.xml><?xml version="1.0" encoding="utf-8"?>
+<p:sld xmlns:a="http://schemas.openxmlformats.org/drawingml/2006/main" xmlns:r="http://schemas.openxmlformats.org/officeDocument/2006/relationships" xmlns:p="http://schemas.openxmlformats.org/presentationml/2006/main">
+  <p:cSld>
+    <p:spTree>
+      <p:nvGrpSpPr>
+        <p:cNvPr id="1" name=""/>
+        <p:cNvGrpSpPr/>
+        <p:nvPr/>
+      </p:nvGrpSpPr>
+      <p:grpSpPr>
+        <a:xfrm>
+          <a:off x="0" y="0"/>
+          <a:ext cx="0" cy="0"/>
+          <a:chOff x="0" y="0"/>
+          <a:chExt cx="0" cy="0"/>
+        </a:xfrm>
+      </p:grpSpPr>
+      <p:sp>
+        <p:nvSpPr>
+          <p:cNvPr id="2" name="직사각형 1">
+            <a:extLst>
+              <a:ext uri="{FF2B5EF4-FFF2-40B4-BE49-F238E27FC236}">
+                <a16:creationId xmlns:a16="http://schemas.microsoft.com/office/drawing/2014/main" id="{575423BA-CBB5-7CBF-E6B2-99481496A380}"/>
+              </a:ext>
+            </a:extLst>
+          </p:cNvPr>
+          <p:cNvSpPr/>
+          <p:nvPr/>
+        </p:nvSpPr>
+        <p:spPr>
+          <a:xfrm>
+            <a:off x="1302327" y="2493818"/>
+            <a:ext cx="10104582" cy="2242128"/>
+          </a:xfrm>
+          <a:prstGeom prst="rect">
+            <a:avLst/>
+          </a:prstGeom>
+        </p:spPr>
+        <p:style>
+          <a:lnRef idx="2">
+            <a:schemeClr val="accent1">
+              <a:shade val="15000"/>
+            </a:schemeClr>
+          </a:lnRef>
+          <a:fillRef idx="1">
+            <a:schemeClr val="accent1"/>
+          </a:fillRef>
+          <a:effectRef idx="0">
+            <a:schemeClr val="accent1"/>
+          </a:effectRef>
+          <a:fontRef idx="minor">
+            <a:schemeClr val="lt1"/>
+          </a:fontRef>
+        </p:style>
+        <p:txBody>
+          <a:bodyPr rtlCol="0" anchor="ctr"/>
+          <a:lstStyle/>
+          <a:p>
+            <a:pPr algn="ctr"/>
+            <a:endParaRPr lang="ko-KR" altLang="en-US"/>
+          </a:p>
+        </p:txBody>
+      </p:sp>
+      <p:sp>
+        <p:nvSpPr>
+          <p:cNvPr id="3" name="직사각형 2">
+            <a:extLst>
+              <a:ext uri="{FF2B5EF4-FFF2-40B4-BE49-F238E27FC236}">
+                <a16:creationId xmlns:a16="http://schemas.microsoft.com/office/drawing/2014/main" id="{F9F14BD2-8E34-FD97-C2B5-80D95C3A9AD4}"/>
+              </a:ext>
+            </a:extLst>
+          </p:cNvPr>
+          <p:cNvSpPr/>
+          <p:nvPr/>
+        </p:nvSpPr>
+        <p:spPr>
+          <a:xfrm>
+            <a:off x="1579419" y="2676238"/>
+            <a:ext cx="1560945" cy="752762"/>
+          </a:xfrm>
+          <a:prstGeom prst="rect">
+            <a:avLst/>
+          </a:prstGeom>
+        </p:spPr>
+        <p:style>
+          <a:lnRef idx="2">
+            <a:schemeClr val="accent2">
+              <a:shade val="15000"/>
+            </a:schemeClr>
+          </a:lnRef>
+          <a:fillRef idx="1">
+            <a:schemeClr val="accent2"/>
+          </a:fillRef>
+          <a:effectRef idx="0">
+            <a:schemeClr val="accent2"/>
+          </a:effectRef>
+          <a:fontRef idx="minor">
+            <a:schemeClr val="lt1"/>
+          </a:fontRef>
+        </p:style>
+        <p:txBody>
+          <a:bodyPr rtlCol="0" anchor="ctr"/>
+          <a:lstStyle/>
+          <a:p>
+            <a:pPr algn="ctr"/>
+            <a:r>
+              <a:rPr lang="en-US" altLang="ko-KR" dirty="0"/>
+              <a:t>Value0</a:t>
+            </a:r>
+          </a:p>
+          <a:p>
+            <a:pPr algn="ctr"/>
+            <a:r>
+              <a:rPr lang="en-US" altLang="ko-KR" dirty="0"/>
+              <a:t>4</a:t>
+            </a:r>
+          </a:p>
+          <a:p>
+            <a:pPr algn="ctr"/>
+            <a:r>
+              <a:rPr lang="en-US" altLang="ko-KR" dirty="0"/>
+              <a:t>100</a:t>
+            </a:r>
+            <a:r>
+              <a:rPr lang="ko-KR" altLang="en-US" dirty="0"/>
+              <a:t>번지</a:t>
+            </a:r>
+          </a:p>
+        </p:txBody>
+      </p:sp>
+      <p:sp>
+        <p:nvSpPr>
+          <p:cNvPr id="4" name="직사각형 3">
+            <a:extLst>
+              <a:ext uri="{FF2B5EF4-FFF2-40B4-BE49-F238E27FC236}">
+                <a16:creationId xmlns:a16="http://schemas.microsoft.com/office/drawing/2014/main" id="{3935B90A-0F94-CC24-7DD6-595825164AB8}"/>
+              </a:ext>
+            </a:extLst>
+          </p:cNvPr>
+          <p:cNvSpPr/>
+          <p:nvPr/>
+        </p:nvSpPr>
+        <p:spPr>
+          <a:xfrm>
+            <a:off x="3140364" y="2676238"/>
+            <a:ext cx="1560945" cy="752762"/>
+          </a:xfrm>
+          <a:prstGeom prst="rect">
+            <a:avLst/>
+          </a:prstGeom>
+        </p:spPr>
+        <p:style>
+          <a:lnRef idx="2">
+            <a:schemeClr val="accent2">
+              <a:shade val="15000"/>
+            </a:schemeClr>
+          </a:lnRef>
+          <a:fillRef idx="1">
+            <a:schemeClr val="accent2"/>
+          </a:fillRef>
+          <a:effectRef idx="0">
+            <a:schemeClr val="accent2"/>
+          </a:effectRef>
+          <a:fontRef idx="minor">
+            <a:schemeClr val="lt1"/>
+          </a:fontRef>
+        </p:style>
+        <p:txBody>
+          <a:bodyPr rtlCol="0" anchor="ctr"/>
+          <a:lstStyle/>
+          <a:p>
+            <a:pPr algn="ctr"/>
+            <a:r>
+              <a:rPr lang="en-US" altLang="ko-KR" dirty="0"/>
+              <a:t>???????</a:t>
+            </a:r>
+          </a:p>
+          <a:p>
+            <a:pPr algn="ctr"/>
+            <a:r>
+              <a:rPr lang="en-US" altLang="ko-KR" dirty="0"/>
+              <a:t>4</a:t>
+            </a:r>
+          </a:p>
+          <a:p>
+            <a:pPr algn="ctr"/>
+            <a:r>
+              <a:rPr lang="en-US" altLang="ko-KR" dirty="0"/>
+              <a:t>104</a:t>
+            </a:r>
+            <a:r>
+              <a:rPr lang="ko-KR" altLang="en-US" dirty="0"/>
+              <a:t>번지</a:t>
+            </a:r>
+          </a:p>
+        </p:txBody>
+      </p:sp>
+      <p:sp>
+        <p:nvSpPr>
+          <p:cNvPr id="5" name="직사각형 4">
+            <a:extLst>
+              <a:ext uri="{FF2B5EF4-FFF2-40B4-BE49-F238E27FC236}">
+                <a16:creationId xmlns:a16="http://schemas.microsoft.com/office/drawing/2014/main" id="{453A2157-91EC-0E33-D72E-898D3863A23C}"/>
+              </a:ext>
+            </a:extLst>
+          </p:cNvPr>
+          <p:cNvSpPr/>
+          <p:nvPr/>
+        </p:nvSpPr>
+        <p:spPr>
+          <a:xfrm>
+            <a:off x="4701309" y="2676238"/>
+            <a:ext cx="1560945" cy="752762"/>
+          </a:xfrm>
+          <a:prstGeom prst="rect">
+            <a:avLst/>
+          </a:prstGeom>
+        </p:spPr>
+        <p:style>
+          <a:lnRef idx="2">
+            <a:schemeClr val="accent2">
+              <a:shade val="15000"/>
+            </a:schemeClr>
+          </a:lnRef>
+          <a:fillRef idx="1">
+            <a:schemeClr val="accent2"/>
+          </a:fillRef>
+          <a:effectRef idx="0">
+            <a:schemeClr val="accent2"/>
+          </a:effectRef>
+          <a:fontRef idx="minor">
+            <a:schemeClr val="lt1"/>
+          </a:fontRef>
+        </p:style>
+        <p:txBody>
+          <a:bodyPr rtlCol="0" anchor="ctr"/>
+          <a:lstStyle/>
+          <a:p>
+            <a:pPr algn="ctr"/>
+            <a:r>
+              <a:rPr lang="en-US" altLang="ko-KR" dirty="0"/>
+              <a:t>Value1</a:t>
+            </a:r>
+          </a:p>
+          <a:p>
+            <a:pPr algn="ctr"/>
+            <a:r>
+              <a:rPr lang="en-US" altLang="ko-KR" dirty="0"/>
+              <a:t>4</a:t>
+            </a:r>
+          </a:p>
+          <a:p>
+            <a:pPr algn="ctr"/>
+            <a:r>
+              <a:rPr lang="en-US" altLang="ko-KR" dirty="0"/>
+              <a:t>108</a:t>
+            </a:r>
+            <a:r>
+              <a:rPr lang="ko-KR" altLang="en-US" dirty="0"/>
+              <a:t>번지</a:t>
+            </a:r>
+          </a:p>
+        </p:txBody>
+      </p:sp>
+      <p:sp>
+        <p:nvSpPr>
+          <p:cNvPr id="6" name="직사각형 5">
+            <a:extLst>
+              <a:ext uri="{FF2B5EF4-FFF2-40B4-BE49-F238E27FC236}">
+                <a16:creationId xmlns:a16="http://schemas.microsoft.com/office/drawing/2014/main" id="{16AB9B40-0D40-3425-5935-A45D35FA8027}"/>
+              </a:ext>
+            </a:extLst>
+          </p:cNvPr>
+          <p:cNvSpPr/>
+          <p:nvPr/>
+        </p:nvSpPr>
+        <p:spPr>
+          <a:xfrm>
+            <a:off x="6262254" y="2676238"/>
+            <a:ext cx="1560945" cy="752762"/>
+          </a:xfrm>
+          <a:prstGeom prst="rect">
+            <a:avLst/>
+          </a:prstGeom>
+        </p:spPr>
+        <p:style>
+          <a:lnRef idx="2">
+            <a:schemeClr val="accent2">
+              <a:shade val="15000"/>
+            </a:schemeClr>
+          </a:lnRef>
+          <a:fillRef idx="1">
+            <a:schemeClr val="accent2"/>
+          </a:fillRef>
+          <a:effectRef idx="0">
+            <a:schemeClr val="accent2"/>
+          </a:effectRef>
+          <a:fontRef idx="minor">
+            <a:schemeClr val="lt1"/>
+          </a:fontRef>
+        </p:style>
+        <p:txBody>
+          <a:bodyPr rtlCol="0" anchor="ctr"/>
+          <a:lstStyle/>
+          <a:p>
+            <a:pPr algn="ctr"/>
+            <a:r>
+              <a:rPr lang="en-US" altLang="ko-KR" dirty="0"/>
+              <a:t>???????</a:t>
+            </a:r>
+          </a:p>
+          <a:p>
+            <a:pPr algn="ctr"/>
+            <a:r>
+              <a:rPr lang="en-US" altLang="ko-KR" dirty="0"/>
+              <a:t>4</a:t>
+            </a:r>
+            <a:endParaRPr lang="ko-KR" altLang="en-US" dirty="0"/>
+          </a:p>
+        </p:txBody>
+      </p:sp>
+      <p:sp>
+        <p:nvSpPr>
+          <p:cNvPr id="7" name="직사각형 6">
+            <a:extLst>
+              <a:ext uri="{FF2B5EF4-FFF2-40B4-BE49-F238E27FC236}">
+                <a16:creationId xmlns:a16="http://schemas.microsoft.com/office/drawing/2014/main" id="{678E7A81-D028-A070-569E-6816B16EE1F3}"/>
+              </a:ext>
+            </a:extLst>
+          </p:cNvPr>
+          <p:cNvSpPr/>
+          <p:nvPr/>
+        </p:nvSpPr>
+        <p:spPr>
+          <a:xfrm>
+            <a:off x="7823199" y="2676238"/>
+            <a:ext cx="1560945" cy="752762"/>
+          </a:xfrm>
+          <a:prstGeom prst="rect">
+            <a:avLst/>
+          </a:prstGeom>
+        </p:spPr>
+        <p:style>
+          <a:lnRef idx="2">
+            <a:schemeClr val="accent2">
+              <a:shade val="15000"/>
+            </a:schemeClr>
+          </a:lnRef>
+          <a:fillRef idx="1">
+            <a:schemeClr val="accent2"/>
+          </a:fillRef>
+          <a:effectRef idx="0">
+            <a:schemeClr val="accent2"/>
+          </a:effectRef>
+          <a:fontRef idx="minor">
+            <a:schemeClr val="lt1"/>
+          </a:fontRef>
+        </p:style>
+        <p:txBody>
+          <a:bodyPr rtlCol="0" anchor="ctr"/>
+          <a:lstStyle/>
+          <a:p>
+            <a:pPr algn="ctr"/>
+            <a:r>
+              <a:rPr lang="en-US" altLang="ko-KR" dirty="0"/>
+              <a:t>Value2</a:t>
+            </a:r>
+          </a:p>
+          <a:p>
+            <a:pPr algn="ctr"/>
+            <a:r>
+              <a:rPr lang="en-US" altLang="ko-KR" dirty="0"/>
+              <a:t>4</a:t>
+            </a:r>
+            <a:endParaRPr lang="ko-KR" altLang="en-US" dirty="0"/>
+          </a:p>
+        </p:txBody>
+      </p:sp>
+      <p:sp>
+        <p:nvSpPr>
+          <p:cNvPr id="8" name="직사각형 7">
+            <a:extLst>
+              <a:ext uri="{FF2B5EF4-FFF2-40B4-BE49-F238E27FC236}">
+                <a16:creationId xmlns:a16="http://schemas.microsoft.com/office/drawing/2014/main" id="{525A39E7-EC15-9F1D-C16A-BB45C3B8FC95}"/>
+              </a:ext>
+            </a:extLst>
+          </p:cNvPr>
+          <p:cNvSpPr/>
+          <p:nvPr/>
+        </p:nvSpPr>
+        <p:spPr>
+          <a:xfrm>
+            <a:off x="1579418" y="3900057"/>
+            <a:ext cx="1560945" cy="752762"/>
+          </a:xfrm>
+          <a:prstGeom prst="rect">
+            <a:avLst/>
+          </a:prstGeom>
+        </p:spPr>
+        <p:style>
+          <a:lnRef idx="2">
+            <a:schemeClr val="accent2">
+              <a:shade val="15000"/>
+            </a:schemeClr>
+          </a:lnRef>
+          <a:fillRef idx="1">
+            <a:schemeClr val="accent2"/>
+          </a:fillRef>
+          <a:effectRef idx="0">
+            <a:schemeClr val="accent2"/>
+          </a:effectRef>
+          <a:fontRef idx="minor">
+            <a:schemeClr val="lt1"/>
+          </a:fontRef>
+        </p:style>
+        <p:txBody>
+          <a:bodyPr rtlCol="0" anchor="ctr"/>
+          <a:lstStyle/>
+          <a:p>
+            <a:pPr algn="ctr"/>
+            <a:r>
+              <a:rPr lang="en-US" altLang="ko-KR" dirty="0" err="1"/>
+              <a:t>Ptr</a:t>
+            </a:r>
+            <a:endParaRPr lang="en-US" altLang="ko-KR" dirty="0"/>
+          </a:p>
+          <a:p>
+            <a:pPr algn="ctr"/>
+            <a:r>
+              <a:rPr lang="en-US" altLang="ko-KR" dirty="0"/>
+              <a:t>100</a:t>
+            </a:r>
+            <a:r>
+              <a:rPr lang="ko-KR" altLang="en-US" dirty="0"/>
+              <a:t>번지</a:t>
+            </a:r>
+          </a:p>
+        </p:txBody>
+      </p:sp>
+      <p:sp>
+        <p:nvSpPr>
+          <p:cNvPr id="26" name="직사각형 25">
+            <a:extLst>
+              <a:ext uri="{FF2B5EF4-FFF2-40B4-BE49-F238E27FC236}">
+                <a16:creationId xmlns:a16="http://schemas.microsoft.com/office/drawing/2014/main" id="{4A1B99FD-8BDF-65C0-6D4A-F7A48AEE8D1B}"/>
+              </a:ext>
+            </a:extLst>
+          </p:cNvPr>
+          <p:cNvSpPr/>
+          <p:nvPr/>
+        </p:nvSpPr>
+        <p:spPr>
+          <a:xfrm>
+            <a:off x="4701309" y="3842332"/>
+            <a:ext cx="1560945" cy="752762"/>
+          </a:xfrm>
+          <a:prstGeom prst="rect">
+            <a:avLst/>
+          </a:prstGeom>
+        </p:spPr>
+        <p:style>
+          <a:lnRef idx="2">
+            <a:schemeClr val="accent2">
+              <a:shade val="15000"/>
+            </a:schemeClr>
+          </a:lnRef>
+          <a:fillRef idx="1">
+            <a:schemeClr val="accent2"/>
+          </a:fillRef>
+          <a:effectRef idx="0">
+            <a:schemeClr val="accent2"/>
+          </a:effectRef>
+          <a:fontRef idx="minor">
+            <a:schemeClr val="lt1"/>
+          </a:fontRef>
+        </p:style>
+        <p:txBody>
+          <a:bodyPr rtlCol="0" anchor="ctr"/>
+          <a:lstStyle/>
+          <a:p>
+            <a:pPr algn="ctr"/>
+            <a:r>
+              <a:rPr lang="en-US" altLang="ko-KR"/>
+              <a:t>Ptr0</a:t>
+            </a:r>
+            <a:endParaRPr lang="en-US" altLang="ko-KR" dirty="0"/>
+          </a:p>
+          <a:p>
+            <a:pPr algn="ctr"/>
+            <a:r>
+              <a:rPr lang="en-US" altLang="ko-KR" dirty="0"/>
+              <a:t>100</a:t>
+            </a:r>
+            <a:r>
+              <a:rPr lang="ko-KR" altLang="en-US" dirty="0"/>
+              <a:t>번지</a:t>
+            </a:r>
+          </a:p>
+        </p:txBody>
+      </p:sp>
+      <p:sp>
+        <p:nvSpPr>
+          <p:cNvPr id="27" name="직사각형 26">
+            <a:extLst>
+              <a:ext uri="{FF2B5EF4-FFF2-40B4-BE49-F238E27FC236}">
+                <a16:creationId xmlns:a16="http://schemas.microsoft.com/office/drawing/2014/main" id="{278F366F-422A-685B-EBEA-4F77F1A72579}"/>
+              </a:ext>
+            </a:extLst>
+          </p:cNvPr>
+          <p:cNvSpPr/>
+          <p:nvPr/>
+        </p:nvSpPr>
+        <p:spPr>
+          <a:xfrm>
+            <a:off x="7966364" y="3836562"/>
+            <a:ext cx="1560945" cy="752762"/>
+          </a:xfrm>
+          <a:prstGeom prst="rect">
+            <a:avLst/>
+          </a:prstGeom>
+        </p:spPr>
+        <p:style>
+          <a:lnRef idx="2">
+            <a:schemeClr val="accent2">
+              <a:shade val="15000"/>
+            </a:schemeClr>
+          </a:lnRef>
+          <a:fillRef idx="1">
+            <a:schemeClr val="accent2"/>
+          </a:fillRef>
+          <a:effectRef idx="0">
+            <a:schemeClr val="accent2"/>
+          </a:effectRef>
+          <a:fontRef idx="minor">
+            <a:schemeClr val="lt1"/>
+          </a:fontRef>
+        </p:style>
+        <p:txBody>
+          <a:bodyPr rtlCol="0" anchor="ctr"/>
+          <a:lstStyle/>
+          <a:p>
+            <a:pPr algn="ctr"/>
+            <a:r>
+              <a:rPr lang="en-US" altLang="ko-KR" dirty="0"/>
+              <a:t>Ptr2</a:t>
+            </a:r>
+          </a:p>
+          <a:p>
+            <a:pPr algn="ctr"/>
+            <a:r>
+              <a:rPr lang="en-US" altLang="ko-KR" dirty="0"/>
+              <a:t>100</a:t>
+            </a:r>
+            <a:r>
+              <a:rPr lang="ko-KR" altLang="en-US" dirty="0"/>
+              <a:t>번지</a:t>
+            </a:r>
+          </a:p>
+        </p:txBody>
+      </p:sp>
     </p:spTree>
     <p:extLst>
       <p:ext uri="{BB962C8B-B14F-4D97-AF65-F5344CB8AC3E}">
@@ -7838,7 +8599,7 @@
 </p:sld>
 </file>
 
-<file path=ppt/slides/slide24.xml><?xml version="1.0" encoding="utf-8"?>
+<file path=ppt/slides/slide25.xml><?xml version="1.0" encoding="utf-8"?>
 <p:sld xmlns:a="http://schemas.openxmlformats.org/drawingml/2006/main" xmlns:r="http://schemas.openxmlformats.org/officeDocument/2006/relationships" xmlns:p="http://schemas.openxmlformats.org/presentationml/2006/main">
   <p:cSld>
     <p:spTree>
@@ -7868,7 +8629,7 @@
 </p:sld>
 </file>
 
-<file path=ppt/slides/slide25.xml><?xml version="1.0" encoding="utf-8"?>
+<file path=ppt/slides/slide26.xml><?xml version="1.0" encoding="utf-8"?>
 <p:sld xmlns:a="http://schemas.openxmlformats.org/drawingml/2006/main" xmlns:r="http://schemas.openxmlformats.org/officeDocument/2006/relationships" xmlns:p="http://schemas.openxmlformats.org/presentationml/2006/main">
   <p:cSld>
     <p:spTree>
@@ -7898,7 +8659,7 @@
 </p:sld>
 </file>
 
-<file path=ppt/slides/slide26.xml><?xml version="1.0" encoding="utf-8"?>
+<file path=ppt/slides/slide27.xml><?xml version="1.0" encoding="utf-8"?>
 <p:sld xmlns:a="http://schemas.openxmlformats.org/drawingml/2006/main" xmlns:r="http://schemas.openxmlformats.org/officeDocument/2006/relationships" xmlns:p="http://schemas.openxmlformats.org/presentationml/2006/main">
   <p:cSld>
     <p:spTree>
@@ -7928,7 +8689,7 @@
 </p:sld>
 </file>
 
-<file path=ppt/slides/slide27.xml><?xml version="1.0" encoding="utf-8"?>
+<file path=ppt/slides/slide28.xml><?xml version="1.0" encoding="utf-8"?>
 <p:sld xmlns:a="http://schemas.openxmlformats.org/drawingml/2006/main" xmlns:r="http://schemas.openxmlformats.org/officeDocument/2006/relationships" xmlns:p="http://schemas.openxmlformats.org/presentationml/2006/main">
   <p:cSld>
     <p:spTree>
@@ -7945,8 +8706,8 @@
           <a:chExt cx="0" cy="0"/>
         </a:xfrm>
       </p:grpSpPr>
-      <mc:AlternateContent xmlns:mc="http://schemas.openxmlformats.org/markup-compatibility/2006">
-        <mc:Choice xmlns:p14="http://schemas.microsoft.com/office/powerpoint/2010/main" Requires="p14">
+      <mc:AlternateContent xmlns:mc="http://schemas.openxmlformats.org/markup-compatibility/2006" xmlns:p14="http://schemas.microsoft.com/office/powerpoint/2010/main">
+        <mc:Choice Requires="p14">
           <p:contentPart p14:bwMode="auto" r:id="rId2">
             <p14:nvContentPartPr>
               <p14:cNvPr id="2" name="잉크 1">
@@ -7965,7 +8726,7 @@
             </p14:xfrm>
           </p:contentPart>
         </mc:Choice>
-        <mc:Fallback>
+        <mc:Fallback xmlns="">
           <p:pic>
             <p:nvPicPr>
               <p:cNvPr id="2" name="잉크 1">
